--- a/Vba/01 Introduction/Introduction to VBA.pptx
+++ b/Vba/01 Introduction/Introduction to VBA.pptx
@@ -245,7 +245,7 @@
           <a:p>
             <a:fld id="{02CA44AF-341C-4892-844F-8512CFE94523}" type="datetimeFigureOut">
               <a:rPr lang="en-IN" smtClean="0"/>
-              <a:t>16-11-2024</a:t>
+              <a:t>11-12-2024</a:t>
             </a:fld>
             <a:endParaRPr lang="en-IN"/>
           </a:p>
@@ -415,7 +415,7 @@
           <a:p>
             <a:fld id="{02CA44AF-341C-4892-844F-8512CFE94523}" type="datetimeFigureOut">
               <a:rPr lang="en-IN" smtClean="0"/>
-              <a:t>16-11-2024</a:t>
+              <a:t>11-12-2024</a:t>
             </a:fld>
             <a:endParaRPr lang="en-IN"/>
           </a:p>
@@ -595,7 +595,7 @@
           <a:p>
             <a:fld id="{02CA44AF-341C-4892-844F-8512CFE94523}" type="datetimeFigureOut">
               <a:rPr lang="en-IN" smtClean="0"/>
-              <a:t>16-11-2024</a:t>
+              <a:t>11-12-2024</a:t>
             </a:fld>
             <a:endParaRPr lang="en-IN"/>
           </a:p>
@@ -765,7 +765,7 @@
           <a:p>
             <a:fld id="{02CA44AF-341C-4892-844F-8512CFE94523}" type="datetimeFigureOut">
               <a:rPr lang="en-IN" smtClean="0"/>
-              <a:t>16-11-2024</a:t>
+              <a:t>11-12-2024</a:t>
             </a:fld>
             <a:endParaRPr lang="en-IN"/>
           </a:p>
@@ -1011,7 +1011,7 @@
           <a:p>
             <a:fld id="{02CA44AF-341C-4892-844F-8512CFE94523}" type="datetimeFigureOut">
               <a:rPr lang="en-IN" smtClean="0"/>
-              <a:t>16-11-2024</a:t>
+              <a:t>11-12-2024</a:t>
             </a:fld>
             <a:endParaRPr lang="en-IN"/>
           </a:p>
@@ -1243,7 +1243,7 @@
           <a:p>
             <a:fld id="{02CA44AF-341C-4892-844F-8512CFE94523}" type="datetimeFigureOut">
               <a:rPr lang="en-IN" smtClean="0"/>
-              <a:t>16-11-2024</a:t>
+              <a:t>11-12-2024</a:t>
             </a:fld>
             <a:endParaRPr lang="en-IN"/>
           </a:p>
@@ -1610,7 +1610,7 @@
           <a:p>
             <a:fld id="{02CA44AF-341C-4892-844F-8512CFE94523}" type="datetimeFigureOut">
               <a:rPr lang="en-IN" smtClean="0"/>
-              <a:t>16-11-2024</a:t>
+              <a:t>11-12-2024</a:t>
             </a:fld>
             <a:endParaRPr lang="en-IN"/>
           </a:p>
@@ -1728,7 +1728,7 @@
           <a:p>
             <a:fld id="{02CA44AF-341C-4892-844F-8512CFE94523}" type="datetimeFigureOut">
               <a:rPr lang="en-IN" smtClean="0"/>
-              <a:t>16-11-2024</a:t>
+              <a:t>11-12-2024</a:t>
             </a:fld>
             <a:endParaRPr lang="en-IN"/>
           </a:p>
@@ -1823,7 +1823,7 @@
           <a:p>
             <a:fld id="{02CA44AF-341C-4892-844F-8512CFE94523}" type="datetimeFigureOut">
               <a:rPr lang="en-IN" smtClean="0"/>
-              <a:t>16-11-2024</a:t>
+              <a:t>11-12-2024</a:t>
             </a:fld>
             <a:endParaRPr lang="en-IN"/>
           </a:p>
@@ -2100,7 +2100,7 @@
           <a:p>
             <a:fld id="{02CA44AF-341C-4892-844F-8512CFE94523}" type="datetimeFigureOut">
               <a:rPr lang="en-IN" smtClean="0"/>
-              <a:t>16-11-2024</a:t>
+              <a:t>11-12-2024</a:t>
             </a:fld>
             <a:endParaRPr lang="en-IN"/>
           </a:p>
@@ -2353,7 +2353,7 @@
           <a:p>
             <a:fld id="{02CA44AF-341C-4892-844F-8512CFE94523}" type="datetimeFigureOut">
               <a:rPr lang="en-IN" smtClean="0"/>
-              <a:t>16-11-2024</a:t>
+              <a:t>11-12-2024</a:t>
             </a:fld>
             <a:endParaRPr lang="en-IN"/>
           </a:p>
@@ -2566,7 +2566,7 @@
           <a:p>
             <a:fld id="{02CA44AF-341C-4892-844F-8512CFE94523}" type="datetimeFigureOut">
               <a:rPr lang="en-IN" smtClean="0"/>
-              <a:t>16-11-2024</a:t>
+              <a:t>11-12-2024</a:t>
             </a:fld>
             <a:endParaRPr lang="en-IN"/>
           </a:p>
@@ -3423,10 +3423,10 @@
           </a:p>
           <a:p>
             <a:r>
-              <a:rPr lang="en-US" sz="1800" dirty="0" err="1" smtClean="0">
+              <a:rPr lang="en-US" sz="1800" dirty="0" smtClean="0">
                 <a:latin typeface="Candara" panose="020E0502030303020204" pitchFamily="34" charset="0"/>
               </a:rPr>
-              <a:t>Debuging</a:t>
+              <a:t>Debugging</a:t>
             </a:r>
             <a:endParaRPr lang="en-IN" sz="1800" dirty="0">
               <a:latin typeface="Candara" panose="020E0502030303020204" pitchFamily="34" charset="0"/>
